--- a/lecture_notes/introduction/introduction.pptx
+++ b/lecture_notes/introduction/introduction.pptx
@@ -125,35 +125,20 @@
 <file path=ppt/changesInfos/changesInfo1.xml><?xml version="1.0" encoding="utf-8"?>
 <pc:chgInfo xmlns:a="http://schemas.openxmlformats.org/drawingml/2006/main" xmlns:r="http://schemas.openxmlformats.org/officeDocument/2006/relationships" xmlns:ac="http://schemas.microsoft.com/office/drawing/2013/main/command" xmlns:pc="http://schemas.microsoft.com/office/powerpoint/2013/main/command">
   <pc:docChgLst>
-    <pc:chgData name="Toby Donaldson" userId="2e6e5431-bb17-4c41-9985-d39c50d83c73" providerId="ADAL" clId="{F31BC264-820E-54C4-A6D1-F92AF9CC222E}"/>
+    <pc:chgData name="Toby Donaldson" userId="2e6e5431-bb17-4c41-9985-d39c50d83c73" providerId="ADAL" clId="{7F9681A8-EEE2-56F4-9B39-ECCBEE0471AC}"/>
     <pc:docChg chg="modSld">
-      <pc:chgData name="Toby Donaldson" userId="2e6e5431-bb17-4c41-9985-d39c50d83c73" providerId="ADAL" clId="{F31BC264-820E-54C4-A6D1-F92AF9CC222E}" dt="2025-10-15T19:15:02.134" v="23" actId="20577"/>
+      <pc:chgData name="Toby Donaldson" userId="2e6e5431-bb17-4c41-9985-d39c50d83c73" providerId="ADAL" clId="{7F9681A8-EEE2-56F4-9B39-ECCBEE0471AC}" dt="2025-12-08T22:55:26.774" v="32" actId="20577"/>
       <pc:docMkLst>
         <pc:docMk/>
       </pc:docMkLst>
       <pc:sldChg chg="modSp mod">
-        <pc:chgData name="Toby Donaldson" userId="2e6e5431-bb17-4c41-9985-d39c50d83c73" providerId="ADAL" clId="{F31BC264-820E-54C4-A6D1-F92AF9CC222E}" dt="2025-10-15T19:13:51.030" v="10" actId="20577"/>
-        <pc:sldMkLst>
-          <pc:docMk/>
-          <pc:sldMk cId="16669659" sldId="256"/>
-        </pc:sldMkLst>
-        <pc:spChg chg="mod">
-          <ac:chgData name="Toby Donaldson" userId="2e6e5431-bb17-4c41-9985-d39c50d83c73" providerId="ADAL" clId="{F31BC264-820E-54C4-A6D1-F92AF9CC222E}" dt="2025-10-15T19:13:51.030" v="10" actId="20577"/>
-          <ac:spMkLst>
-            <pc:docMk/>
-            <pc:sldMk cId="16669659" sldId="256"/>
-            <ac:spMk id="3" creationId="{E43C154A-A463-BA85-53B5-D7570D94380C}"/>
-          </ac:spMkLst>
-        </pc:spChg>
-      </pc:sldChg>
-      <pc:sldChg chg="modSp mod">
-        <pc:chgData name="Toby Donaldson" userId="2e6e5431-bb17-4c41-9985-d39c50d83c73" providerId="ADAL" clId="{F31BC264-820E-54C4-A6D1-F92AF9CC222E}" dt="2025-10-15T19:14:05.236" v="16" actId="20577"/>
+        <pc:chgData name="Toby Donaldson" userId="2e6e5431-bb17-4c41-9985-d39c50d83c73" providerId="ADAL" clId="{7F9681A8-EEE2-56F4-9B39-ECCBEE0471AC}" dt="2025-12-08T22:53:59.138" v="2" actId="113"/>
         <pc:sldMkLst>
           <pc:docMk/>
           <pc:sldMk cId="2835190045" sldId="257"/>
         </pc:sldMkLst>
         <pc:spChg chg="mod">
-          <ac:chgData name="Toby Donaldson" userId="2e6e5431-bb17-4c41-9985-d39c50d83c73" providerId="ADAL" clId="{F31BC264-820E-54C4-A6D1-F92AF9CC222E}" dt="2025-10-15T19:14:05.236" v="16" actId="20577"/>
+          <ac:chgData name="Toby Donaldson" userId="2e6e5431-bb17-4c41-9985-d39c50d83c73" providerId="ADAL" clId="{7F9681A8-EEE2-56F4-9B39-ECCBEE0471AC}" dt="2025-12-08T22:53:59.138" v="2" actId="113"/>
           <ac:spMkLst>
             <pc:docMk/>
             <pc:sldMk cId="2835190045" sldId="257"/>
@@ -162,194 +147,34 @@
         </pc:spChg>
       </pc:sldChg>
       <pc:sldChg chg="modSp mod">
-        <pc:chgData name="Toby Donaldson" userId="2e6e5431-bb17-4c41-9985-d39c50d83c73" providerId="ADAL" clId="{F31BC264-820E-54C4-A6D1-F92AF9CC222E}" dt="2025-10-15T19:14:24.980" v="17" actId="20577"/>
+        <pc:chgData name="Toby Donaldson" userId="2e6e5431-bb17-4c41-9985-d39c50d83c73" providerId="ADAL" clId="{7F9681A8-EEE2-56F4-9B39-ECCBEE0471AC}" dt="2025-12-08T22:55:26.774" v="32" actId="20577"/>
         <pc:sldMkLst>
           <pc:docMk/>
-          <pc:sldMk cId="1338911348" sldId="262"/>
+          <pc:sldMk cId="4081585701" sldId="259"/>
         </pc:sldMkLst>
         <pc:spChg chg="mod">
-          <ac:chgData name="Toby Donaldson" userId="2e6e5431-bb17-4c41-9985-d39c50d83c73" providerId="ADAL" clId="{F31BC264-820E-54C4-A6D1-F92AF9CC222E}" dt="2025-10-15T19:14:24.980" v="17" actId="20577"/>
+          <ac:chgData name="Toby Donaldson" userId="2e6e5431-bb17-4c41-9985-d39c50d83c73" providerId="ADAL" clId="{7F9681A8-EEE2-56F4-9B39-ECCBEE0471AC}" dt="2025-12-08T22:55:26.774" v="32" actId="20577"/>
           <ac:spMkLst>
             <pc:docMk/>
-            <pc:sldMk cId="1338911348" sldId="262"/>
+            <pc:sldMk cId="4081585701" sldId="259"/>
             <ac:spMk id="3" creationId="{18792C85-EDDE-99D0-36BA-7FF53ECA1755}"/>
           </ac:spMkLst>
         </pc:spChg>
       </pc:sldChg>
       <pc:sldChg chg="modSp mod">
-        <pc:chgData name="Toby Donaldson" userId="2e6e5431-bb17-4c41-9985-d39c50d83c73" providerId="ADAL" clId="{F31BC264-820E-54C4-A6D1-F92AF9CC222E}" dt="2025-10-15T19:15:02.134" v="23" actId="20577"/>
+        <pc:chgData name="Toby Donaldson" userId="2e6e5431-bb17-4c41-9985-d39c50d83c73" providerId="ADAL" clId="{7F9681A8-EEE2-56F4-9B39-ECCBEE0471AC}" dt="2025-12-08T22:54:42.901" v="23" actId="20577"/>
         <pc:sldMkLst>
           <pc:docMk/>
           <pc:sldMk cId="1759891140" sldId="263"/>
         </pc:sldMkLst>
         <pc:spChg chg="mod">
-          <ac:chgData name="Toby Donaldson" userId="2e6e5431-bb17-4c41-9985-d39c50d83c73" providerId="ADAL" clId="{F31BC264-820E-54C4-A6D1-F92AF9CC222E}" dt="2025-10-15T19:15:02.134" v="23" actId="20577"/>
+          <ac:chgData name="Toby Donaldson" userId="2e6e5431-bb17-4c41-9985-d39c50d83c73" providerId="ADAL" clId="{7F9681A8-EEE2-56F4-9B39-ECCBEE0471AC}" dt="2025-12-08T22:54:42.901" v="23" actId="20577"/>
           <ac:spMkLst>
             <pc:docMk/>
             <pc:sldMk cId="1759891140" sldId="263"/>
             <ac:spMk id="3" creationId="{18792C85-EDDE-99D0-36BA-7FF53ECA1755}"/>
           </ac:spMkLst>
         </pc:spChg>
-      </pc:sldChg>
-      <pc:sldChg chg="modSp mod">
-        <pc:chgData name="Toby Donaldson" userId="2e6e5431-bb17-4c41-9985-d39c50d83c73" providerId="ADAL" clId="{F31BC264-820E-54C4-A6D1-F92AF9CC222E}" dt="2025-10-15T19:14:42.455" v="18" actId="20577"/>
-        <pc:sldMkLst>
-          <pc:docMk/>
-          <pc:sldMk cId="4181702111" sldId="264"/>
-        </pc:sldMkLst>
-        <pc:spChg chg="mod">
-          <ac:chgData name="Toby Donaldson" userId="2e6e5431-bb17-4c41-9985-d39c50d83c73" providerId="ADAL" clId="{F31BC264-820E-54C4-A6D1-F92AF9CC222E}" dt="2025-10-15T19:14:42.455" v="18" actId="20577"/>
-          <ac:spMkLst>
-            <pc:docMk/>
-            <pc:sldMk cId="4181702111" sldId="264"/>
-            <ac:spMk id="3" creationId="{18792C85-EDDE-99D0-36BA-7FF53ECA1755}"/>
-          </ac:spMkLst>
-        </pc:spChg>
-      </pc:sldChg>
-    </pc:docChg>
-  </pc:docChgLst>
-  <pc:docChgLst>
-    <pc:chgData name="Toby Donaldson" userId="2e6e5431-bb17-4c41-9985-d39c50d83c73" providerId="ADAL" clId="{0113305C-7192-47BF-9775-3260CB52C00F}"/>
-    <pc:docChg chg="undo redo custSel addSld delSld modSld modMainMaster">
-      <pc:chgData name="Toby Donaldson" userId="2e6e5431-bb17-4c41-9985-d39c50d83c73" providerId="ADAL" clId="{0113305C-7192-47BF-9775-3260CB52C00F}" dt="2024-09-04T18:46:24.745" v="252" actId="20577"/>
-      <pc:docMkLst>
-        <pc:docMk/>
-      </pc:docMkLst>
-      <pc:sldChg chg="addSp modSp mod setBg">
-        <pc:chgData name="Toby Donaldson" userId="2e6e5431-bb17-4c41-9985-d39c50d83c73" providerId="ADAL" clId="{0113305C-7192-47BF-9775-3260CB52C00F}" dt="2024-09-04T18:34:02.417" v="41" actId="1076"/>
-        <pc:sldMkLst>
-          <pc:docMk/>
-          <pc:sldMk cId="16669659" sldId="256"/>
-        </pc:sldMkLst>
-      </pc:sldChg>
-      <pc:sldChg chg="addSp delSp modSp mod setBg">
-        <pc:chgData name="Toby Donaldson" userId="2e6e5431-bb17-4c41-9985-d39c50d83c73" providerId="ADAL" clId="{0113305C-7192-47BF-9775-3260CB52C00F}" dt="2024-09-04T18:44:09.832" v="238" actId="255"/>
-        <pc:sldMkLst>
-          <pc:docMk/>
-          <pc:sldMk cId="2835190045" sldId="257"/>
-        </pc:sldMkLst>
-      </pc:sldChg>
-      <pc:sldChg chg="modSp del mod">
-        <pc:chgData name="Toby Donaldson" userId="2e6e5431-bb17-4c41-9985-d39c50d83c73" providerId="ADAL" clId="{0113305C-7192-47BF-9775-3260CB52C00F}" dt="2024-09-04T18:46:18.047" v="249" actId="2696"/>
-        <pc:sldMkLst>
-          <pc:docMk/>
-          <pc:sldMk cId="2111219883" sldId="258"/>
-        </pc:sldMkLst>
-      </pc:sldChg>
-      <pc:sldChg chg="modSp mod">
-        <pc:chgData name="Toby Donaldson" userId="2e6e5431-bb17-4c41-9985-d39c50d83c73" providerId="ADAL" clId="{0113305C-7192-47BF-9775-3260CB52C00F}" dt="2024-09-04T18:44:40.835" v="246" actId="403"/>
-        <pc:sldMkLst>
-          <pc:docMk/>
-          <pc:sldMk cId="4081585701" sldId="259"/>
-        </pc:sldMkLst>
-      </pc:sldChg>
-      <pc:sldChg chg="modSp mod">
-        <pc:chgData name="Toby Donaldson" userId="2e6e5431-bb17-4c41-9985-d39c50d83c73" providerId="ADAL" clId="{0113305C-7192-47BF-9775-3260CB52C00F}" dt="2024-09-04T18:45:45.088" v="247" actId="113"/>
-        <pc:sldMkLst>
-          <pc:docMk/>
-          <pc:sldMk cId="1467356200" sldId="261"/>
-        </pc:sldMkLst>
-      </pc:sldChg>
-      <pc:sldChg chg="modSp mod">
-        <pc:chgData name="Toby Donaldson" userId="2e6e5431-bb17-4c41-9985-d39c50d83c73" providerId="ADAL" clId="{0113305C-7192-47BF-9775-3260CB52C00F}" dt="2024-09-04T18:46:24.745" v="252" actId="20577"/>
-        <pc:sldMkLst>
-          <pc:docMk/>
-          <pc:sldMk cId="1338911348" sldId="262"/>
-        </pc:sldMkLst>
-      </pc:sldChg>
-      <pc:sldChg chg="modSp mod">
-        <pc:chgData name="Toby Donaldson" userId="2e6e5431-bb17-4c41-9985-d39c50d83c73" providerId="ADAL" clId="{0113305C-7192-47BF-9775-3260CB52C00F}" dt="2024-09-04T18:42:47.589" v="231" actId="20577"/>
-        <pc:sldMkLst>
-          <pc:docMk/>
-          <pc:sldMk cId="1759891140" sldId="263"/>
-        </pc:sldMkLst>
-      </pc:sldChg>
-      <pc:sldChg chg="add">
-        <pc:chgData name="Toby Donaldson" userId="2e6e5431-bb17-4c41-9985-d39c50d83c73" providerId="ADAL" clId="{0113305C-7192-47BF-9775-3260CB52C00F}" dt="2024-09-04T18:46:13.759" v="248" actId="2890"/>
-        <pc:sldMkLst>
-          <pc:docMk/>
-          <pc:sldMk cId="4181702111" sldId="264"/>
-        </pc:sldMkLst>
-      </pc:sldChg>
-      <pc:sldMasterChg chg="modSldLayout">
-        <pc:chgData name="Toby Donaldson" userId="2e6e5431-bb17-4c41-9985-d39c50d83c73" providerId="ADAL" clId="{0113305C-7192-47BF-9775-3260CB52C00F}" dt="2024-09-04T18:40:40.416" v="170" actId="21"/>
-        <pc:sldMasterMkLst>
-          <pc:docMk/>
-          <pc:sldMasterMk cId="3715731139" sldId="2147483648"/>
-        </pc:sldMasterMkLst>
-        <pc:sldLayoutChg chg="addSp delSp modSp mod">
-          <pc:chgData name="Toby Donaldson" userId="2e6e5431-bb17-4c41-9985-d39c50d83c73" providerId="ADAL" clId="{0113305C-7192-47BF-9775-3260CB52C00F}" dt="2024-09-04T18:40:40.416" v="170" actId="21"/>
-          <pc:sldLayoutMkLst>
-            <pc:docMk/>
-            <pc:sldMasterMk cId="3715731139" sldId="2147483648"/>
-            <pc:sldLayoutMk cId="4262247665" sldId="2147483650"/>
-          </pc:sldLayoutMkLst>
-        </pc:sldLayoutChg>
-      </pc:sldMasterChg>
-    </pc:docChg>
-  </pc:docChgLst>
-  <pc:docChgLst>
-    <pc:chgData name="Toby Donaldson" userId="2e6e5431-bb17-4c41-9985-d39c50d83c73" providerId="ADAL" clId="{16F7336D-CCFA-43EB-9340-38F6E85F4A95}"/>
-    <pc:docChg chg="undo custSel addSld modSld">
-      <pc:chgData name="Toby Donaldson" userId="2e6e5431-bb17-4c41-9985-d39c50d83c73" providerId="ADAL" clId="{16F7336D-CCFA-43EB-9340-38F6E85F4A95}" dt="2024-09-04T04:27:08.226" v="2259" actId="20577"/>
-      <pc:docMkLst>
-        <pc:docMk/>
-      </pc:docMkLst>
-      <pc:sldChg chg="modSp new mod">
-        <pc:chgData name="Toby Donaldson" userId="2e6e5431-bb17-4c41-9985-d39c50d83c73" providerId="ADAL" clId="{16F7336D-CCFA-43EB-9340-38F6E85F4A95}" dt="2024-09-04T04:25:05.478" v="2186" actId="20577"/>
-        <pc:sldMkLst>
-          <pc:docMk/>
-          <pc:sldMk cId="16669659" sldId="256"/>
-        </pc:sldMkLst>
-      </pc:sldChg>
-      <pc:sldChg chg="modSp new mod">
-        <pc:chgData name="Toby Donaldson" userId="2e6e5431-bb17-4c41-9985-d39c50d83c73" providerId="ADAL" clId="{16F7336D-CCFA-43EB-9340-38F6E85F4A95}" dt="2024-09-04T04:25:32.667" v="2190" actId="20577"/>
-        <pc:sldMkLst>
-          <pc:docMk/>
-          <pc:sldMk cId="2835190045" sldId="257"/>
-        </pc:sldMkLst>
-      </pc:sldChg>
-      <pc:sldChg chg="modSp new mod">
-        <pc:chgData name="Toby Donaldson" userId="2e6e5431-bb17-4c41-9985-d39c50d83c73" providerId="ADAL" clId="{16F7336D-CCFA-43EB-9340-38F6E85F4A95}" dt="2024-09-04T04:26:11.724" v="2196" actId="20577"/>
-        <pc:sldMkLst>
-          <pc:docMk/>
-          <pc:sldMk cId="2111219883" sldId="258"/>
-        </pc:sldMkLst>
-      </pc:sldChg>
-      <pc:sldChg chg="modSp add mod">
-        <pc:chgData name="Toby Donaldson" userId="2e6e5431-bb17-4c41-9985-d39c50d83c73" providerId="ADAL" clId="{16F7336D-CCFA-43EB-9340-38F6E85F4A95}" dt="2024-09-04T04:27:08.226" v="2259" actId="20577"/>
-        <pc:sldMkLst>
-          <pc:docMk/>
-          <pc:sldMk cId="4081585701" sldId="259"/>
-        </pc:sldMkLst>
-      </pc:sldChg>
-      <pc:sldChg chg="modSp new mod">
-        <pc:chgData name="Toby Donaldson" userId="2e6e5431-bb17-4c41-9985-d39c50d83c73" providerId="ADAL" clId="{16F7336D-CCFA-43EB-9340-38F6E85F4A95}" dt="2024-09-03T05:57:35.204" v="2163" actId="20577"/>
-        <pc:sldMkLst>
-          <pc:docMk/>
-          <pc:sldMk cId="933810818" sldId="260"/>
-        </pc:sldMkLst>
-      </pc:sldChg>
-      <pc:sldChg chg="modSp add mod">
-        <pc:chgData name="Toby Donaldson" userId="2e6e5431-bb17-4c41-9985-d39c50d83c73" providerId="ADAL" clId="{16F7336D-CCFA-43EB-9340-38F6E85F4A95}" dt="2024-09-04T04:25:41.007" v="2191" actId="6549"/>
-        <pc:sldMkLst>
-          <pc:docMk/>
-          <pc:sldMk cId="1467356200" sldId="261"/>
-        </pc:sldMkLst>
-      </pc:sldChg>
-      <pc:sldChg chg="modSp add mod">
-        <pc:chgData name="Toby Donaldson" userId="2e6e5431-bb17-4c41-9985-d39c50d83c73" providerId="ADAL" clId="{16F7336D-CCFA-43EB-9340-38F6E85F4A95}" dt="2024-09-04T04:26:33.414" v="2208" actId="20577"/>
-        <pc:sldMkLst>
-          <pc:docMk/>
-          <pc:sldMk cId="1338911348" sldId="262"/>
-        </pc:sldMkLst>
-      </pc:sldChg>
-      <pc:sldChg chg="modSp add mod">
-        <pc:chgData name="Toby Donaldson" userId="2e6e5431-bb17-4c41-9985-d39c50d83c73" providerId="ADAL" clId="{16F7336D-CCFA-43EB-9340-38F6E85F4A95}" dt="2024-09-04T04:26:42.904" v="2210" actId="113"/>
-        <pc:sldMkLst>
-          <pc:docMk/>
-          <pc:sldMk cId="1759891140" sldId="263"/>
-        </pc:sldMkLst>
       </pc:sldChg>
     </pc:docChg>
   </pc:docChgLst>
@@ -438,7 +263,7 @@
           <a:p>
             <a:fld id="{1C113DC9-7D87-43AD-B580-6A755EAA816A}" type="datetimeFigureOut">
               <a:rPr lang="en-AU" smtClean="0"/>
-              <a:t>15/10/2025</a:t>
+              <a:t>8/12/2025</a:t>
             </a:fld>
             <a:endParaRPr lang="en-AU"/>
           </a:p>
@@ -855,7 +680,7 @@
           <a:p>
             <a:fld id="{0538DAAF-C290-4824-9159-EB752B4BF898}" type="datetime1">
               <a:rPr lang="en-AU" smtClean="0"/>
-              <a:t>15/10/2025</a:t>
+              <a:t>8/12/2025</a:t>
             </a:fld>
             <a:endParaRPr lang="en-AU"/>
           </a:p>
@@ -1055,7 +880,7 @@
           <a:p>
             <a:fld id="{15ACC07A-DCF9-4822-8432-94F5CEE4B1A0}" type="datetime1">
               <a:rPr lang="en-AU" smtClean="0"/>
-              <a:t>15/10/2025</a:t>
+              <a:t>8/12/2025</a:t>
             </a:fld>
             <a:endParaRPr lang="en-AU"/>
           </a:p>
@@ -1265,7 +1090,7 @@
           <a:p>
             <a:fld id="{BB95C53D-E3D6-403B-BC6B-9ED697E84E31}" type="datetime1">
               <a:rPr lang="en-AU" smtClean="0"/>
-              <a:t>15/10/2025</a:t>
+              <a:t>8/12/2025</a:t>
             </a:fld>
             <a:endParaRPr lang="en-AU"/>
           </a:p>
@@ -1465,7 +1290,7 @@
           <a:p>
             <a:fld id="{C59B9E26-7110-4384-9E21-C398F99CCE78}" type="datetime1">
               <a:rPr lang="en-AU" smtClean="0"/>
-              <a:t>15/10/2025</a:t>
+              <a:t>8/12/2025</a:t>
             </a:fld>
             <a:endParaRPr lang="en-AU"/>
           </a:p>
@@ -1741,7 +1566,7 @@
           <a:p>
             <a:fld id="{07AC0423-21DA-4A91-95A5-17BAC3DCB5A5}" type="datetime1">
               <a:rPr lang="en-AU" smtClean="0"/>
-              <a:t>15/10/2025</a:t>
+              <a:t>8/12/2025</a:t>
             </a:fld>
             <a:endParaRPr lang="en-AU"/>
           </a:p>
@@ -2009,7 +1834,7 @@
           <a:p>
             <a:fld id="{A8755B0B-71E5-4583-85D7-8827163EBC20}" type="datetime1">
               <a:rPr lang="en-AU" smtClean="0"/>
-              <a:t>15/10/2025</a:t>
+              <a:t>8/12/2025</a:t>
             </a:fld>
             <a:endParaRPr lang="en-AU"/>
           </a:p>
@@ -2424,7 +2249,7 @@
           <a:p>
             <a:fld id="{6963404A-06F3-40E5-885C-037A37B6014A}" type="datetime1">
               <a:rPr lang="en-AU" smtClean="0"/>
-              <a:t>15/10/2025</a:t>
+              <a:t>8/12/2025</a:t>
             </a:fld>
             <a:endParaRPr lang="en-AU"/>
           </a:p>
@@ -2566,7 +2391,7 @@
           <a:p>
             <a:fld id="{BC1958F0-3FBA-40FF-9385-A78B1569984B}" type="datetime1">
               <a:rPr lang="en-AU" smtClean="0"/>
-              <a:t>15/10/2025</a:t>
+              <a:t>8/12/2025</a:t>
             </a:fld>
             <a:endParaRPr lang="en-AU"/>
           </a:p>
@@ -2679,7 +2504,7 @@
           <a:p>
             <a:fld id="{A3B7F17C-B3FC-4389-A305-0B4BBC8F0EF4}" type="datetime1">
               <a:rPr lang="en-AU" smtClean="0"/>
-              <a:t>15/10/2025</a:t>
+              <a:t>8/12/2025</a:t>
             </a:fld>
             <a:endParaRPr lang="en-AU"/>
           </a:p>
@@ -2992,7 +2817,7 @@
           <a:p>
             <a:fld id="{6FDD59DF-D5B1-4318-A3EB-4195186F26F4}" type="datetime1">
               <a:rPr lang="en-AU" smtClean="0"/>
-              <a:t>15/10/2025</a:t>
+              <a:t>8/12/2025</a:t>
             </a:fld>
             <a:endParaRPr lang="en-AU"/>
           </a:p>
@@ -3281,7 +3106,7 @@
           <a:p>
             <a:fld id="{CC97ACB7-039E-498F-8E6F-59ECF6A0DE54}" type="datetime1">
               <a:rPr lang="en-AU" smtClean="0"/>
-              <a:t>15/10/2025</a:t>
+              <a:t>8/12/2025</a:t>
             </a:fld>
             <a:endParaRPr lang="en-AU"/>
           </a:p>
@@ -3524,7 +3349,7 @@
           <a:p>
             <a:fld id="{4D268183-BD0C-429A-BC43-106F40EDD5BB}" type="datetime1">
               <a:rPr lang="en-AU" smtClean="0"/>
-              <a:t>15/10/2025</a:t>
+              <a:t>8/12/2025</a:t>
             </a:fld>
             <a:endParaRPr lang="en-AU"/>
           </a:p>
@@ -4223,8 +4048,26 @@
             </a:pPr>
             <a:r>
               <a:rPr lang="en-CA" sz="4000" dirty="0"/>
-              <a:t>An introduction to computer science and Python programming</a:t>
-            </a:r>
+              <a:t>An introduction to </a:t>
+            </a:r>
+            <a:r>
+              <a:rPr lang="en-CA" sz="4000" b="1" dirty="0"/>
+              <a:t>computer science </a:t>
+            </a:r>
+            <a:r>
+              <a:rPr lang="en-CA" sz="4000" dirty="0"/>
+              <a:t>and Python </a:t>
+            </a:r>
+            <a:r>
+              <a:rPr lang="en-CA" sz="4000" b="1" dirty="0"/>
+              <a:t>programming</a:t>
+            </a:r>
+          </a:p>
+          <a:p>
+            <a:pPr marL="0" indent="0">
+              <a:buNone/>
+            </a:pPr>
+            <a:endParaRPr lang="en-CA" sz="4000" dirty="0"/>
           </a:p>
           <a:p>
             <a:pPr marL="0" indent="0">
@@ -4960,15 +4803,7 @@
             </a:r>
             <a:r>
               <a:rPr lang="en-AU" dirty="0"/>
-              <a:t>, which comes with Python, </a:t>
-            </a:r>
-            <a:r>
-              <a:rPr lang="en-AU"/>
-              <a:t>is fine </a:t>
-            </a:r>
-            <a:r>
-              <a:rPr lang="en-AU" dirty="0"/>
-              <a:t>for this course</a:t>
+              <a:t>, which comes with Python, is fine for this course</a:t>
             </a:r>
           </a:p>
           <a:p>
@@ -4981,7 +4816,7 @@
             </a:r>
             <a:r>
               <a:rPr lang="en-AU" dirty="0"/>
-              <a:t>is very popular in the software industry</a:t>
+              <a:t>is very popular (and the one I use)</a:t>
             </a:r>
           </a:p>
           <a:p>
@@ -5205,16 +5040,12 @@
               <a:buNone/>
             </a:pPr>
             <a:r>
+              <a:rPr lang="en-CA" sz="2400" b="1" dirty="0"/>
+              <a:t>VS Code</a:t>
+            </a:r>
+            <a:r>
               <a:rPr lang="en-CA" sz="2400" dirty="0"/>
-              <a:t>VS</a:t>
-            </a:r>
-            <a:r>
-              <a:rPr lang="en-CA" sz="2400" b="1" dirty="0"/>
-              <a:t> Code</a:t>
-            </a:r>
-            <a:r>
-              <a:rPr lang="en-CA" sz="2400" dirty="0"/>
-              <a:t>, which takes a bit of setup; search the web for how to view notebooks in VS Code</a:t>
+              <a:t>, which takes a bit of setup; search the web for help</a:t>
             </a:r>
           </a:p>
           <a:p>
